--- a/slides/pptx/SimulationResultsACC_res2.pptx
+++ b/slides/pptx/SimulationResultsACC_res2.pptx
@@ -10,11 +10,8 @@
     <p:sldId id="258" r:id="rId10"/>
     <p:sldId id="259" r:id="rId11"/>
     <p:sldId id="260" r:id="rId12"/>
-    <p:sldId id="261" r:id="rId13"/>
-    <p:sldId id="262" r:id="rId14"/>
-    <p:sldId id="263" r:id="rId15"/>
   </p:sldIdLst>
-  <p:sldSz cx="18288000" cy="10287000" type="screen4x3"/>
+  <p:sldSz cx="8134350" cy="4572000" type="screen4x3"/>
   <p:notesSz cx="6858000" cy="9144000"/>
   <p:defaultTextStyle>
     <a:defPPr>
@@ -729,204 +726,6 @@
 </file>
 
 <file path=ppt/notesSlides/notesSlide5.xml><?xml version="1.0" encoding="utf-8"?>
-<p:notes xmlns:a="http://schemas.openxmlformats.org/drawingml/2006/main" xmlns:p="http://schemas.openxmlformats.org/presentationml/2006/main" xmlns:r="http://schemas.openxmlformats.org/officeDocument/2006/relationships">
-  <p:cSld>
-    <p:spTree>
-      <p:nvGrpSpPr>
-        <p:cNvPr id="1" name=""/>
-        <p:cNvGrpSpPr/>
-        <p:nvPr/>
-      </p:nvGrpSpPr>
-      <p:grpSpPr>
-        <a:xfrm>
-          <a:off x="0" y="0"/>
-          <a:ext cx="0" cy="0"/>
-          <a:chOff x="0" y="0"/>
-          <a:chExt cx="0" cy="0"/>
-        </a:xfrm>
-      </p:grpSpPr>
-      <p:sp>
-        <p:nvSpPr>
-          <p:cNvPr id="2" name="Slide Image Placeholder 1"/>
-          <p:cNvSpPr>
-            <a:spLocks noGrp="1"/>
-          </p:cNvSpPr>
-          <p:nvPr>
-            <p:ph type="sldImg" idx="2"/>
-          </p:nvPr>
-        </p:nvSpPr>
-        <p:spPr/>
-      </p:sp>
-      <p:sp>
-        <p:nvSpPr>
-          <p:cNvPr id="3" name="Notes Placeholder 2"/>
-          <p:cNvSpPr>
-            <a:spLocks noGrp="1"/>
-          </p:cNvSpPr>
-          <p:nvPr>
-            <p:ph type="body" idx="3" sz="quarter"/>
-          </p:nvPr>
-        </p:nvSpPr>
-        <p:spPr/>
-        <p:txBody>
-          <a:bodyPr/>
-          <a:lstStyle/>
-          <a:p/>
-        </p:txBody>
-      </p:sp>
-      <p:sp>
-        <p:nvSpPr>
-          <p:cNvPr id="4" name="Slide Number Placeholder 3"/>
-          <p:cNvSpPr>
-            <a:spLocks noGrp="1"/>
-          </p:cNvSpPr>
-          <p:nvPr>
-            <p:ph type="sldNum" idx="5" sz="quarter"/>
-          </p:nvPr>
-        </p:nvSpPr>
-        <p:spPr/>
-      </p:sp>
-    </p:spTree>
-  </p:cSld>
-  <p:clrMapOvr>
-    <a:masterClrMapping/>
-  </p:clrMapOvr>
-</p:notes>
-</file>
-
-<file path=ppt/notesSlides/notesSlide6.xml><?xml version="1.0" encoding="utf-8"?>
-<p:notes xmlns:a="http://schemas.openxmlformats.org/drawingml/2006/main" xmlns:p="http://schemas.openxmlformats.org/presentationml/2006/main" xmlns:r="http://schemas.openxmlformats.org/officeDocument/2006/relationships">
-  <p:cSld>
-    <p:spTree>
-      <p:nvGrpSpPr>
-        <p:cNvPr id="1" name=""/>
-        <p:cNvGrpSpPr/>
-        <p:nvPr/>
-      </p:nvGrpSpPr>
-      <p:grpSpPr>
-        <a:xfrm>
-          <a:off x="0" y="0"/>
-          <a:ext cx="0" cy="0"/>
-          <a:chOff x="0" y="0"/>
-          <a:chExt cx="0" cy="0"/>
-        </a:xfrm>
-      </p:grpSpPr>
-      <p:sp>
-        <p:nvSpPr>
-          <p:cNvPr id="2" name="Slide Image Placeholder 1"/>
-          <p:cNvSpPr>
-            <a:spLocks noGrp="1"/>
-          </p:cNvSpPr>
-          <p:nvPr>
-            <p:ph type="sldImg" idx="2"/>
-          </p:nvPr>
-        </p:nvSpPr>
-        <p:spPr/>
-      </p:sp>
-      <p:sp>
-        <p:nvSpPr>
-          <p:cNvPr id="3" name="Notes Placeholder 2"/>
-          <p:cNvSpPr>
-            <a:spLocks noGrp="1"/>
-          </p:cNvSpPr>
-          <p:nvPr>
-            <p:ph type="body" idx="3" sz="quarter"/>
-          </p:nvPr>
-        </p:nvSpPr>
-        <p:spPr/>
-        <p:txBody>
-          <a:bodyPr/>
-          <a:lstStyle/>
-          <a:p/>
-        </p:txBody>
-      </p:sp>
-      <p:sp>
-        <p:nvSpPr>
-          <p:cNvPr id="4" name="Slide Number Placeholder 3"/>
-          <p:cNvSpPr>
-            <a:spLocks noGrp="1"/>
-          </p:cNvSpPr>
-          <p:nvPr>
-            <p:ph type="sldNum" idx="5" sz="quarter"/>
-          </p:nvPr>
-        </p:nvSpPr>
-        <p:spPr/>
-      </p:sp>
-    </p:spTree>
-  </p:cSld>
-  <p:clrMapOvr>
-    <a:masterClrMapping/>
-  </p:clrMapOvr>
-</p:notes>
-</file>
-
-<file path=ppt/notesSlides/notesSlide7.xml><?xml version="1.0" encoding="utf-8"?>
-<p:notes xmlns:a="http://schemas.openxmlformats.org/drawingml/2006/main" xmlns:p="http://schemas.openxmlformats.org/presentationml/2006/main" xmlns:r="http://schemas.openxmlformats.org/officeDocument/2006/relationships">
-  <p:cSld>
-    <p:spTree>
-      <p:nvGrpSpPr>
-        <p:cNvPr id="1" name=""/>
-        <p:cNvGrpSpPr/>
-        <p:nvPr/>
-      </p:nvGrpSpPr>
-      <p:grpSpPr>
-        <a:xfrm>
-          <a:off x="0" y="0"/>
-          <a:ext cx="0" cy="0"/>
-          <a:chOff x="0" y="0"/>
-          <a:chExt cx="0" cy="0"/>
-        </a:xfrm>
-      </p:grpSpPr>
-      <p:sp>
-        <p:nvSpPr>
-          <p:cNvPr id="2" name="Slide Image Placeholder 1"/>
-          <p:cNvSpPr>
-            <a:spLocks noGrp="1"/>
-          </p:cNvSpPr>
-          <p:nvPr>
-            <p:ph type="sldImg" idx="2"/>
-          </p:nvPr>
-        </p:nvSpPr>
-        <p:spPr/>
-      </p:sp>
-      <p:sp>
-        <p:nvSpPr>
-          <p:cNvPr id="3" name="Notes Placeholder 2"/>
-          <p:cNvSpPr>
-            <a:spLocks noGrp="1"/>
-          </p:cNvSpPr>
-          <p:nvPr>
-            <p:ph type="body" idx="3" sz="quarter"/>
-          </p:nvPr>
-        </p:nvSpPr>
-        <p:spPr/>
-        <p:txBody>
-          <a:bodyPr/>
-          <a:lstStyle/>
-          <a:p/>
-        </p:txBody>
-      </p:sp>
-      <p:sp>
-        <p:nvSpPr>
-          <p:cNvPr id="4" name="Slide Number Placeholder 3"/>
-          <p:cNvSpPr>
-            <a:spLocks noGrp="1"/>
-          </p:cNvSpPr>
-          <p:nvPr>
-            <p:ph type="sldNum" idx="5" sz="quarter"/>
-          </p:nvPr>
-        </p:nvSpPr>
-        <p:spPr/>
-      </p:sp>
-    </p:spTree>
-  </p:cSld>
-  <p:clrMapOvr>
-    <a:masterClrMapping/>
-  </p:clrMapOvr>
-</p:notes>
-</file>
-
-<file path=ppt/notesSlides/notesSlide8.xml><?xml version="1.0" encoding="utf-8"?>
 <p:notes xmlns:a="http://schemas.openxmlformats.org/drawingml/2006/main" xmlns:p="http://schemas.openxmlformats.org/presentationml/2006/main" xmlns:r="http://schemas.openxmlformats.org/officeDocument/2006/relationships">
   <p:cSld>
     <p:spTree>
@@ -3973,27 +3772,9 @@
         <p:nvPr/>
       </p:nvGrpSpPr>
       <p:grpSpPr/>
-    </p:spTree>
-  </p:cSld>
-  <p:clrMapOvr>
-    <a:masterClrMapping/>
-  </p:clrMapOvr>
-</p:sld>
-</file>
-
-<file path=ppt/slides/slide2.xml><?xml version="1.0" encoding="utf-8"?>
-<p:sld xmlns:a="http://schemas.openxmlformats.org/drawingml/2006/main" xmlns:p="http://schemas.openxmlformats.org/presentationml/2006/main" xmlns:r="http://schemas.openxmlformats.org/officeDocument/2006/relationships">
-  <p:cSld>
-    <p:spTree>
-      <p:nvGrpSpPr>
-        <p:cNvPr id="1" name=""/>
-        <p:cNvGrpSpPr/>
-        <p:nvPr/>
-      </p:nvGrpSpPr>
-      <p:grpSpPr/>
       <p:pic>
         <p:nvPicPr>
-          <p:cNvPr id="2" name="450974505_2403368745_2091160403.mp4">
+          <p:cNvPr id="2" name="3163782288_3018667344_1673102830.mp4">
             <a:hlinkClick r:id="" action="ppaction://media"/>
           </p:cNvPr>
           <p:cNvPicPr>
@@ -4017,7 +3798,7 @@
         <p:spPr>
           <a:xfrm>
             <a:off x="0" y="0"/>
-            <a:ext cx="18288000" cy="10287000"/>
+            <a:ext cx="8134350" cy="4572000"/>
           </a:xfrm>
           <a:prstGeom prst="rect">
             <a:avLst/>
@@ -4148,7 +3929,7 @@
 </p:sld>
 </file>
 
-<file path=ppt/slides/slide3.xml><?xml version="1.0" encoding="utf-8"?>
+<file path=ppt/slides/slide2.xml><?xml version="1.0" encoding="utf-8"?>
 <p:sld xmlns:a="http://schemas.openxmlformats.org/drawingml/2006/main" xmlns:p="http://schemas.openxmlformats.org/presentationml/2006/main" xmlns:r="http://schemas.openxmlformats.org/officeDocument/2006/relationships">
   <p:cSld>
     <p:spTree>
@@ -4160,7 +3941,7 @@
       <p:grpSpPr/>
       <p:pic>
         <p:nvPicPr>
-          <p:cNvPr id="2" name="34786186_403222138_4255005908.mp4">
+          <p:cNvPr id="2" name="2201830969_699026187_2710960466.mp4">
             <a:hlinkClick r:id="" action="ppaction://media"/>
           </p:cNvPr>
           <p:cNvPicPr>
@@ -4184,7 +3965,40 @@
         <p:spPr>
           <a:xfrm>
             <a:off x="0" y="0"/>
-            <a:ext cx="18288000" cy="10287000"/>
+            <a:ext cx="8134350" cy="4572000"/>
+          </a:xfrm>
+          <a:prstGeom prst="rect">
+            <a:avLst/>
+          </a:prstGeom>
+        </p:spPr>
+      </p:pic>
+      <p:pic>
+        <p:nvPicPr>
+          <p:cNvPr id="3" name="2201830969_403222138_3409278761.mp4">
+            <a:hlinkClick r:id="" action="ppaction://media"/>
+          </p:cNvPr>
+          <p:cNvPicPr>
+            <a:picLocks noChangeAspect="1"/>
+          </p:cNvPicPr>
+          <p:nvPr>
+            <a:videoFile r:link="rId7"/>
+            <p:extLst>
+              <p:ext uri="{DAA4B4D4-6D71-4841-9C94-3DE7FCFB9230}">
+                <p14:media xmlns:p14="http://schemas.microsoft.com/office/powerpoint/2010/main" r:embed="rId6"/>
+              </p:ext>
+            </p:extLst>
+          </p:nvPr>
+        </p:nvPicPr>
+        <p:blipFill>
+          <a:blip r:embed="rId8"/>
+          <a:stretch>
+            <a:fillRect/>
+          </a:stretch>
+        </p:blipFill>
+        <p:spPr>
+          <a:xfrm>
+            <a:off x="0" y="0"/>
+            <a:ext cx="8134350" cy="4572000"/>
           </a:xfrm>
           <a:prstGeom prst="rect">
             <a:avLst/>
@@ -4275,6 +4089,116 @@
                             </p:childTnLst>
                           </p:cTn>
                         </p:par>
+                        <p:par>
+                          <p:cTn id="10" fill="hold">
+                            <p:stCondLst>
+                              <p:cond delay="1000"/>
+                            </p:stCondLst>
+                            <p:childTnLst>
+                              <p:par>
+                                <p:cTn id="11" presetID="1" presetClass="exit" presetSubtype="0" fill="hold" nodeType="afterEffect">
+                                  <p:stCondLst>
+                                    <p:cond delay="0"/>
+                                  </p:stCondLst>
+                                  <p:childTnLst>
+                                    <p:set>
+                                      <p:cBhvr>
+                                        <p:cTn id="12" dur="1" fill="hold">
+                                          <p:stCondLst>
+                                            <p:cond delay="0"/>
+                                          </p:stCondLst>
+                                        </p:cTn>
+                                        <p:tgtEl>
+                                          <p:spTgt spid="2"/>
+                                        </p:tgtEl>
+                                        <p:attrNameLst>
+                                          <p:attrName>style.visibility</p:attrName>
+                                        </p:attrNameLst>
+                                      </p:cBhvr>
+                                      <p:to>
+                                        <p:strVal val="hidden"/>
+                                      </p:to>
+                                    </p:set>
+                                    <p:cmd type="call" cmd="stop">
+                                      <p:cBhvr>
+                                        <p:cTn id="13" dur="1" fill="hold">
+                                          <p:stCondLst>
+                                            <p:cond delay="0"/>
+                                          </p:stCondLst>
+                                        </p:cTn>
+                                        <p:tgtEl>
+                                          <p:spTgt spid="2"/>
+                                        </p:tgtEl>
+                                      </p:cBhvr>
+                                    </p:cmd>
+                                  </p:childTnLst>
+                                </p:cTn>
+                              </p:par>
+                            </p:childTnLst>
+                          </p:cTn>
+                        </p:par>
+                        <p:par>
+                          <p:cTn id="14" fill="hold">
+                            <p:stCondLst>
+                              <p:cond delay="1000"/>
+                            </p:stCondLst>
+                            <p:childTnLst>
+                              <p:par>
+                                <p:cTn id="15" presetID="1" presetClass="entr" presetSubtype="0" fill="hold" nodeType="afterEffect">
+                                  <p:stCondLst>
+                                    <p:cond delay="0"/>
+                                  </p:stCondLst>
+                                  <p:childTnLst>
+                                    <p:set>
+                                      <p:cBhvr>
+                                        <p:cTn id="16" dur="1" fill="hold">
+                                          <p:stCondLst>
+                                            <p:cond delay="0"/>
+                                          </p:stCondLst>
+                                        </p:cTn>
+                                        <p:tgtEl>
+                                          <p:spTgt spid="3"/>
+                                        </p:tgtEl>
+                                        <p:attrNameLst>
+                                          <p:attrName>style.visibility</p:attrName>
+                                        </p:attrNameLst>
+                                      </p:cBhvr>
+                                      <p:to>
+                                        <p:strVal val="visible"/>
+                                      </p:to>
+                                    </p:set>
+                                  </p:childTnLst>
+                                </p:cTn>
+                              </p:par>
+                            </p:childTnLst>
+                          </p:cTn>
+                        </p:par>
+                        <p:par>
+                          <p:cTn id="17" fill="hold">
+                            <p:stCondLst>
+                              <p:cond delay="1000"/>
+                            </p:stCondLst>
+                            <p:childTnLst>
+                              <p:par>
+                                <p:cTn id="18" presetID="1" presetClass="mediacall" presetSubtype="0" fill="hold" nodeType="afterEffect">
+                                  <p:stCondLst>
+                                    <p:cond delay="0"/>
+                                  </p:stCondLst>
+                                  <p:childTnLst>
+                                    <p:cmd type="call" cmd="playFrom(0.0)">
+                                      <p:cBhvr>
+                                        <p:cTn id="19" dur="1000" fill="hold"/>
+                                        <p:tgtEl>
+                                          <p:spTgt spid="3"/>
+                                        </p:tgtEl>
+                                      </p:cBhvr>
+                                    </p:cmd>
+                                  </p:childTnLst>
+                                </p:cTn>
+                              </p:par>
+                            </p:childTnLst>
+                          </p:cTn>
+                        </p:par>
                       </p:childTnLst>
                     </p:cTn>
                   </p:par>
@@ -4297,13 +4221,25 @@
             </p:seq>
             <p:video>
               <p:cMediaNode vol="80000">
-                <p:cTn id="10" fill="hold" display="0">
+                <p:cTn id="20" fill="hold" display="0">
                   <p:stCondLst>
                     <p:cond delay="indefinite"/>
                   </p:stCondLst>
                 </p:cTn>
                 <p:tgtEl>
                   <p:spTgt spid="2"/>
+                </p:tgtEl>
+              </p:cMediaNode>
+            </p:video>
+            <p:video>
+              <p:cMediaNode vol="80000">
+                <p:cTn id="21" fill="hold" display="0">
+                  <p:stCondLst>
+                    <p:cond delay="indefinite"/>
+                  </p:stCondLst>
+                </p:cTn>
+                <p:tgtEl>
+                  <p:spTgt spid="3"/>
                 </p:tgtEl>
               </p:cMediaNode>
             </p:video>
@@ -4315,7 +4251,7 @@
 </p:sld>
 </file>
 
-<file path=ppt/slides/slide4.xml><?xml version="1.0" encoding="utf-8"?>
+<file path=ppt/slides/slide3.xml><?xml version="1.0" encoding="utf-8"?>
 <p:sld xmlns:a="http://schemas.openxmlformats.org/drawingml/2006/main" xmlns:p="http://schemas.openxmlformats.org/presentationml/2006/main" xmlns:r="http://schemas.openxmlformats.org/officeDocument/2006/relationships">
   <p:cSld>
     <p:spTree>
@@ -4327,7 +4263,7 @@
       <p:grpSpPr/>
       <p:pic>
         <p:nvPicPr>
-          <p:cNvPr id="2" name="34786186_1133761705_1585476274.mp4">
+          <p:cNvPr id="2" name="2201830969_1912127606_2209421491.mp4">
             <a:hlinkClick r:id="" action="ppaction://media"/>
           </p:cNvPr>
           <p:cNvPicPr>
@@ -4351,7 +4287,40 @@
         <p:spPr>
           <a:xfrm>
             <a:off x="0" y="0"/>
-            <a:ext cx="18288000" cy="10287000"/>
+            <a:ext cx="8134350" cy="4572000"/>
+          </a:xfrm>
+          <a:prstGeom prst="rect">
+            <a:avLst/>
+          </a:prstGeom>
+        </p:spPr>
+      </p:pic>
+      <p:pic>
+        <p:nvPicPr>
+          <p:cNvPr id="3" name="2201830969_4101267234_3306659369.mp4">
+            <a:hlinkClick r:id="" action="ppaction://media"/>
+          </p:cNvPr>
+          <p:cNvPicPr>
+            <a:picLocks noChangeAspect="1"/>
+          </p:cNvPicPr>
+          <p:nvPr>
+            <a:videoFile r:link="rId7"/>
+            <p:extLst>
+              <p:ext uri="{DAA4B4D4-6D71-4841-9C94-3DE7FCFB9230}">
+                <p14:media xmlns:p14="http://schemas.microsoft.com/office/powerpoint/2010/main" r:embed="rId6"/>
+              </p:ext>
+            </p:extLst>
+          </p:nvPr>
+        </p:nvPicPr>
+        <p:blipFill>
+          <a:blip r:embed="rId8"/>
+          <a:stretch>
+            <a:fillRect/>
+          </a:stretch>
+        </p:blipFill>
+        <p:spPr>
+          <a:xfrm>
+            <a:off x="0" y="0"/>
+            <a:ext cx="8134350" cy="4572000"/>
           </a:xfrm>
           <a:prstGeom prst="rect">
             <a:avLst/>
@@ -4442,6 +4411,116 @@
                             </p:childTnLst>
                           </p:cTn>
                         </p:par>
+                        <p:par>
+                          <p:cTn id="10" fill="hold">
+                            <p:stCondLst>
+                              <p:cond delay="1000"/>
+                            </p:stCondLst>
+                            <p:childTnLst>
+                              <p:par>
+                                <p:cTn id="11" presetID="1" presetClass="exit" presetSubtype="0" fill="hold" nodeType="afterEffect">
+                                  <p:stCondLst>
+                                    <p:cond delay="0"/>
+                                  </p:stCondLst>
+                                  <p:childTnLst>
+                                    <p:set>
+                                      <p:cBhvr>
+                                        <p:cTn id="12" dur="1" fill="hold">
+                                          <p:stCondLst>
+                                            <p:cond delay="0"/>
+                                          </p:stCondLst>
+                                        </p:cTn>
+                                        <p:tgtEl>
+                                          <p:spTgt spid="2"/>
+                                        </p:tgtEl>
+                                        <p:attrNameLst>
+                                          <p:attrName>style.visibility</p:attrName>
+                                        </p:attrNameLst>
+                                      </p:cBhvr>
+                                      <p:to>
+                                        <p:strVal val="hidden"/>
+                                      </p:to>
+                                    </p:set>
+                                    <p:cmd type="call" cmd="stop">
+                                      <p:cBhvr>
+                                        <p:cTn id="13" dur="1" fill="hold">
+                                          <p:stCondLst>
+                                            <p:cond delay="0"/>
+                                          </p:stCondLst>
+                                        </p:cTn>
+                                        <p:tgtEl>
+                                          <p:spTgt spid="2"/>
+                                        </p:tgtEl>
+                                      </p:cBhvr>
+                                    </p:cmd>
+                                  </p:childTnLst>
+                                </p:cTn>
+                              </p:par>
+                            </p:childTnLst>
+                          </p:cTn>
+                        </p:par>
+                        <p:par>
+                          <p:cTn id="14" fill="hold">
+                            <p:stCondLst>
+                              <p:cond delay="1000"/>
+                            </p:stCondLst>
+                            <p:childTnLst>
+                              <p:par>
+                                <p:cTn id="15" presetID="1" presetClass="entr" presetSubtype="0" fill="hold" nodeType="afterEffect">
+                                  <p:stCondLst>
+                                    <p:cond delay="0"/>
+                                  </p:stCondLst>
+                                  <p:childTnLst>
+                                    <p:set>
+                                      <p:cBhvr>
+                                        <p:cTn id="16" dur="1" fill="hold">
+                                          <p:stCondLst>
+                                            <p:cond delay="0"/>
+                                          </p:stCondLst>
+                                        </p:cTn>
+                                        <p:tgtEl>
+                                          <p:spTgt spid="3"/>
+                                        </p:tgtEl>
+                                        <p:attrNameLst>
+                                          <p:attrName>style.visibility</p:attrName>
+                                        </p:attrNameLst>
+                                      </p:cBhvr>
+                                      <p:to>
+                                        <p:strVal val="visible"/>
+                                      </p:to>
+                                    </p:set>
+                                  </p:childTnLst>
+                                </p:cTn>
+                              </p:par>
+                            </p:childTnLst>
+                          </p:cTn>
+                        </p:par>
+                        <p:par>
+                          <p:cTn id="17" fill="hold">
+                            <p:stCondLst>
+                              <p:cond delay="1000"/>
+                            </p:stCondLst>
+                            <p:childTnLst>
+                              <p:par>
+                                <p:cTn id="18" presetID="1" presetClass="mediacall" presetSubtype="0" fill="hold" nodeType="afterEffect">
+                                  <p:stCondLst>
+                                    <p:cond delay="0"/>
+                                  </p:stCondLst>
+                                  <p:childTnLst>
+                                    <p:cmd type="call" cmd="playFrom(0.0)">
+                                      <p:cBhvr>
+                                        <p:cTn id="19" dur="1000" fill="hold"/>
+                                        <p:tgtEl>
+                                          <p:spTgt spid="3"/>
+                                        </p:tgtEl>
+                                      </p:cBhvr>
+                                    </p:cmd>
+                                  </p:childTnLst>
+                                </p:cTn>
+                              </p:par>
+                            </p:childTnLst>
+                          </p:cTn>
+                        </p:par>
                       </p:childTnLst>
                     </p:cTn>
                   </p:par>
@@ -4464,13 +4543,25 @@
             </p:seq>
             <p:video>
               <p:cMediaNode vol="80000">
-                <p:cTn id="10" fill="hold" display="0">
+                <p:cTn id="20" fill="hold" display="0">
                   <p:stCondLst>
                     <p:cond delay="indefinite"/>
                   </p:stCondLst>
                 </p:cTn>
                 <p:tgtEl>
                   <p:spTgt spid="2"/>
+                </p:tgtEl>
+              </p:cMediaNode>
+            </p:video>
+            <p:video>
+              <p:cMediaNode vol="80000">
+                <p:cTn id="21" fill="hold" display="0">
+                  <p:stCondLst>
+                    <p:cond delay="indefinite"/>
+                  </p:stCondLst>
+                </p:cTn>
+                <p:tgtEl>
+                  <p:spTgt spid="3"/>
                 </p:tgtEl>
               </p:cMediaNode>
             </p:video>
@@ -4482,7 +4573,7 @@
 </p:sld>
 </file>
 
-<file path=ppt/slides/slide5.xml><?xml version="1.0" encoding="utf-8"?>
+<file path=ppt/slides/slide4.xml><?xml version="1.0" encoding="utf-8"?>
 <p:sld xmlns:a="http://schemas.openxmlformats.org/drawingml/2006/main" xmlns:p="http://schemas.openxmlformats.org/presentationml/2006/main" xmlns:r="http://schemas.openxmlformats.org/officeDocument/2006/relationships">
   <p:cSld>
     <p:spTree>
@@ -4494,7 +4585,7 @@
       <p:grpSpPr/>
       <p:pic>
         <p:nvPicPr>
-          <p:cNvPr id="2" name="34786186_4101267234_1701497683.mp4">
+          <p:cNvPr id="2" name="2201830969_4222438995_2645379052.mp4">
             <a:hlinkClick r:id="" action="ppaction://media"/>
           </p:cNvPr>
           <p:cNvPicPr>
@@ -4518,7 +4609,40 @@
         <p:spPr>
           <a:xfrm>
             <a:off x="0" y="0"/>
-            <a:ext cx="18288000" cy="10287000"/>
+            <a:ext cx="8134350" cy="4572000"/>
+          </a:xfrm>
+          <a:prstGeom prst="rect">
+            <a:avLst/>
+          </a:prstGeom>
+        </p:spPr>
+      </p:pic>
+      <p:pic>
+        <p:nvPicPr>
+          <p:cNvPr id="3" name="2201830969_1103991604_1680717549.mp4">
+            <a:hlinkClick r:id="" action="ppaction://media"/>
+          </p:cNvPr>
+          <p:cNvPicPr>
+            <a:picLocks noChangeAspect="1"/>
+          </p:cNvPicPr>
+          <p:nvPr>
+            <a:videoFile r:link="rId7"/>
+            <p:extLst>
+              <p:ext uri="{DAA4B4D4-6D71-4841-9C94-3DE7FCFB9230}">
+                <p14:media xmlns:p14="http://schemas.microsoft.com/office/powerpoint/2010/main" r:embed="rId6"/>
+              </p:ext>
+            </p:extLst>
+          </p:nvPr>
+        </p:nvPicPr>
+        <p:blipFill>
+          <a:blip r:embed="rId8"/>
+          <a:stretch>
+            <a:fillRect/>
+          </a:stretch>
+        </p:blipFill>
+        <p:spPr>
+          <a:xfrm>
+            <a:off x="0" y="0"/>
+            <a:ext cx="8134350" cy="4572000"/>
           </a:xfrm>
           <a:prstGeom prst="rect">
             <a:avLst/>
@@ -4609,132 +4733,75 @@
                             </p:childTnLst>
                           </p:cTn>
                         </p:par>
-                      </p:childTnLst>
-                    </p:cTn>
-                  </p:par>
-                </p:childTnLst>
-              </p:cTn>
-              <p:prevCondLst>
-                <p:cond evt="onPrev" delay="0">
-                  <p:tgtEl>
-                    <p:sldTgt/>
-                  </p:tgtEl>
-                </p:cond>
-              </p:prevCondLst>
-              <p:nextCondLst>
-                <p:cond evt="onNext" delay="0">
-                  <p:tgtEl>
-                    <p:sldTgt/>
-                  </p:tgtEl>
-                </p:cond>
-              </p:nextCondLst>
-            </p:seq>
-            <p:video>
-              <p:cMediaNode vol="80000">
-                <p:cTn id="10" fill="hold" display="0">
-                  <p:stCondLst>
-                    <p:cond delay="indefinite"/>
-                  </p:stCondLst>
-                </p:cTn>
-                <p:tgtEl>
-                  <p:spTgt spid="2"/>
-                </p:tgtEl>
-              </p:cMediaNode>
-            </p:video>
-          </p:childTnLst>
-        </p:cTn>
-      </p:par>
-    </p:tnLst>
-  </p:timing>
-</p:sld>
-</file>
-
-<file path=ppt/slides/slide6.xml><?xml version="1.0" encoding="utf-8"?>
-<p:sld xmlns:a="http://schemas.openxmlformats.org/drawingml/2006/main" xmlns:p="http://schemas.openxmlformats.org/presentationml/2006/main" xmlns:r="http://schemas.openxmlformats.org/officeDocument/2006/relationships">
-  <p:cSld>
-    <p:spTree>
-      <p:nvGrpSpPr>
-        <p:cNvPr id="1" name=""/>
-        <p:cNvGrpSpPr/>
-        <p:nvPr/>
-      </p:nvGrpSpPr>
-      <p:grpSpPr/>
-      <p:pic>
-        <p:nvPicPr>
-          <p:cNvPr id="2" name="34786186_693103195_1083977197.mp4">
-            <a:hlinkClick r:id="" action="ppaction://media"/>
-          </p:cNvPr>
-          <p:cNvPicPr>
-            <a:picLocks noChangeAspect="1"/>
-          </p:cNvPicPr>
-          <p:nvPr>
-            <a:videoFile r:link="rId4"/>
-            <p:extLst>
-              <p:ext uri="{DAA4B4D4-6D71-4841-9C94-3DE7FCFB9230}">
-                <p14:media xmlns:p14="http://schemas.microsoft.com/office/powerpoint/2010/main" r:embed="rId3"/>
-              </p:ext>
-            </p:extLst>
-          </p:nvPr>
-        </p:nvPicPr>
-        <p:blipFill>
-          <a:blip r:embed="rId5"/>
-          <a:stretch>
-            <a:fillRect/>
-          </a:stretch>
-        </p:blipFill>
-        <p:spPr>
-          <a:xfrm>
-            <a:off x="0" y="0"/>
-            <a:ext cx="18288000" cy="10287000"/>
-          </a:xfrm>
-          <a:prstGeom prst="rect">
-            <a:avLst/>
-          </a:prstGeom>
-        </p:spPr>
-      </p:pic>
-    </p:spTree>
-  </p:cSld>
-  <p:clrMapOvr>
-    <a:masterClrMapping/>
-  </p:clrMapOvr>
-  <p:timing>
-    <p:tnLst>
-      <p:par>
-        <p:cTn id="1" dur="indefinite" restart="never" nodeType="tmRoot">
-          <p:childTnLst>
-            <p:seq concurrent="1" nextAc="seek">
-              <p:cTn id="2" dur="indefinite" nodeType="mainSeq">
-                <p:childTnLst>
-                  <p:par>
-                    <p:cTn id="3" fill="hold">
-                      <p:stCondLst>
-                        <p:cond delay="indefinite"/>
-                        <p:cond evt="onBegin" delay="0">
-                          <p:tn val="2"/>
-                        </p:cond>
-                      </p:stCondLst>
-                      <p:childTnLst>
                         <p:par>
-                          <p:cTn id="4" fill="hold">
+                          <p:cTn id="10" fill="hold">
                             <p:stCondLst>
-                              <p:cond delay="0"/>
+                              <p:cond delay="1000"/>
                             </p:stCondLst>
                             <p:childTnLst>
                               <p:par>
-                                <p:cTn id="5" presetID="1" presetClass="entr" presetSubtype="0" fill="hold" nodeType="withEffect">
+                                <p:cTn id="11" presetID="1" presetClass="exit" presetSubtype="0" fill="hold" nodeType="afterEffect">
                                   <p:stCondLst>
                                     <p:cond delay="0"/>
                                   </p:stCondLst>
                                   <p:childTnLst>
                                     <p:set>
                                       <p:cBhvr>
-                                        <p:cTn id="6" dur="1" fill="hold">
+                                        <p:cTn id="12" dur="1" fill="hold">
                                           <p:stCondLst>
                                             <p:cond delay="0"/>
                                           </p:stCondLst>
                                         </p:cTn>
                                         <p:tgtEl>
                                           <p:spTgt spid="2"/>
+                                        </p:tgtEl>
+                                        <p:attrNameLst>
+                                          <p:attrName>style.visibility</p:attrName>
+                                        </p:attrNameLst>
+                                      </p:cBhvr>
+                                      <p:to>
+                                        <p:strVal val="hidden"/>
+                                      </p:to>
+                                    </p:set>
+                                    <p:cmd type="call" cmd="stop">
+                                      <p:cBhvr>
+                                        <p:cTn id="13" dur="1" fill="hold">
+                                          <p:stCondLst>
+                                            <p:cond delay="0"/>
+                                          </p:stCondLst>
+                                        </p:cTn>
+                                        <p:tgtEl>
+                                          <p:spTgt spid="2"/>
+                                        </p:tgtEl>
+                                      </p:cBhvr>
+                                    </p:cmd>
+                                  </p:childTnLst>
+                                </p:cTn>
+                              </p:par>
+                            </p:childTnLst>
+                          </p:cTn>
+                        </p:par>
+                        <p:par>
+                          <p:cTn id="14" fill="hold">
+                            <p:stCondLst>
+                              <p:cond delay="1000"/>
+                            </p:stCondLst>
+                            <p:childTnLst>
+                              <p:par>
+                                <p:cTn id="15" presetID="1" presetClass="entr" presetSubtype="0" fill="hold" nodeType="afterEffect">
+                                  <p:stCondLst>
+                                    <p:cond delay="0"/>
+                                  </p:stCondLst>
+                                  <p:childTnLst>
+                                    <p:set>
+                                      <p:cBhvr>
+                                        <p:cTn id="16" dur="1" fill="hold">
+                                          <p:stCondLst>
+                                            <p:cond delay="0"/>
+                                          </p:stCondLst>
+                                        </p:cTn>
+                                        <p:tgtEl>
+                                          <p:spTgt spid="3"/>
                                         </p:tgtEl>
                                         <p:attrNameLst>
                                           <p:attrName>style.visibility</p:attrName>
@@ -4751,22 +4818,22 @@
                           </p:cTn>
                         </p:par>
                         <p:par>
-                          <p:cTn id="7" fill="hold">
+                          <p:cTn id="17" fill="hold">
                             <p:stCondLst>
-                              <p:cond delay="0"/>
+                              <p:cond delay="1000"/>
                             </p:stCondLst>
                             <p:childTnLst>
                               <p:par>
-                                <p:cTn id="8" presetID="1" presetClass="mediacall" presetSubtype="0" fill="hold" nodeType="afterEffect">
+                                <p:cTn id="18" presetID="1" presetClass="mediacall" presetSubtype="0" fill="hold" nodeType="afterEffect">
                                   <p:stCondLst>
                                     <p:cond delay="0"/>
                                   </p:stCondLst>
                                   <p:childTnLst>
                                     <p:cmd type="call" cmd="playFrom(0.0)">
                                       <p:cBhvr>
-                                        <p:cTn id="9" dur="1000" fill="hold"/>
+                                        <p:cTn id="19" dur="1000" fill="hold"/>
                                         <p:tgtEl>
-                                          <p:spTgt spid="2"/>
+                                          <p:spTgt spid="3"/>
                                         </p:tgtEl>
                                       </p:cBhvr>
                                     </p:cmd>
@@ -4798,13 +4865,25 @@
             </p:seq>
             <p:video>
               <p:cMediaNode vol="80000">
-                <p:cTn id="10" fill="hold" display="0">
+                <p:cTn id="20" fill="hold" display="0">
                   <p:stCondLst>
                     <p:cond delay="indefinite"/>
                   </p:stCondLst>
                 </p:cTn>
                 <p:tgtEl>
                   <p:spTgt spid="2"/>
+                </p:tgtEl>
+              </p:cMediaNode>
+            </p:video>
+            <p:video>
+              <p:cMediaNode vol="80000">
+                <p:cTn id="21" fill="hold" display="0">
+                  <p:stCondLst>
+                    <p:cond delay="indefinite"/>
+                  </p:stCondLst>
+                </p:cTn>
+                <p:tgtEl>
+                  <p:spTgt spid="3"/>
                 </p:tgtEl>
               </p:cMediaNode>
             </p:video>
@@ -4816,7 +4895,7 @@
 </p:sld>
 </file>
 
-<file path=ppt/slides/slide7.xml><?xml version="1.0" encoding="utf-8"?>
+<file path=ppt/slides/slide5.xml><?xml version="1.0" encoding="utf-8"?>
 <p:sld xmlns:a="http://schemas.openxmlformats.org/drawingml/2006/main" xmlns:p="http://schemas.openxmlformats.org/presentationml/2006/main" xmlns:r="http://schemas.openxmlformats.org/officeDocument/2006/relationships">
   <p:cSld>
     <p:spTree>
@@ -4828,7 +4907,7 @@
       <p:grpSpPr/>
       <p:pic>
         <p:nvPicPr>
-          <p:cNvPr id="2" name="34786186_1103991604_3807306308.mp4">
+          <p:cNvPr id="2" name="2201830969_846815048_4167277599.mp4">
             <a:hlinkClick r:id="" action="ppaction://media"/>
           </p:cNvPr>
           <p:cNvPicPr>
@@ -4852,174 +4931,7 @@
         <p:spPr>
           <a:xfrm>
             <a:off x="0" y="0"/>
-            <a:ext cx="18288000" cy="10287000"/>
-          </a:xfrm>
-          <a:prstGeom prst="rect">
-            <a:avLst/>
-          </a:prstGeom>
-        </p:spPr>
-      </p:pic>
-    </p:spTree>
-  </p:cSld>
-  <p:clrMapOvr>
-    <a:masterClrMapping/>
-  </p:clrMapOvr>
-  <p:timing>
-    <p:tnLst>
-      <p:par>
-        <p:cTn id="1" dur="indefinite" restart="never" nodeType="tmRoot">
-          <p:childTnLst>
-            <p:seq concurrent="1" nextAc="seek">
-              <p:cTn id="2" dur="indefinite" nodeType="mainSeq">
-                <p:childTnLst>
-                  <p:par>
-                    <p:cTn id="3" fill="hold">
-                      <p:stCondLst>
-                        <p:cond delay="indefinite"/>
-                        <p:cond evt="onBegin" delay="0">
-                          <p:tn val="2"/>
-                        </p:cond>
-                      </p:stCondLst>
-                      <p:childTnLst>
-                        <p:par>
-                          <p:cTn id="4" fill="hold">
-                            <p:stCondLst>
-                              <p:cond delay="0"/>
-                            </p:stCondLst>
-                            <p:childTnLst>
-                              <p:par>
-                                <p:cTn id="5" presetID="1" presetClass="entr" presetSubtype="0" fill="hold" nodeType="withEffect">
-                                  <p:stCondLst>
-                                    <p:cond delay="0"/>
-                                  </p:stCondLst>
-                                  <p:childTnLst>
-                                    <p:set>
-                                      <p:cBhvr>
-                                        <p:cTn id="6" dur="1" fill="hold">
-                                          <p:stCondLst>
-                                            <p:cond delay="0"/>
-                                          </p:stCondLst>
-                                        </p:cTn>
-                                        <p:tgtEl>
-                                          <p:spTgt spid="2"/>
-                                        </p:tgtEl>
-                                        <p:attrNameLst>
-                                          <p:attrName>style.visibility</p:attrName>
-                                        </p:attrNameLst>
-                                      </p:cBhvr>
-                                      <p:to>
-                                        <p:strVal val="visible"/>
-                                      </p:to>
-                                    </p:set>
-                                  </p:childTnLst>
-                                </p:cTn>
-                              </p:par>
-                            </p:childTnLst>
-                          </p:cTn>
-                        </p:par>
-                        <p:par>
-                          <p:cTn id="7" fill="hold">
-                            <p:stCondLst>
-                              <p:cond delay="0"/>
-                            </p:stCondLst>
-                            <p:childTnLst>
-                              <p:par>
-                                <p:cTn id="8" presetID="1" presetClass="mediacall" presetSubtype="0" fill="hold" nodeType="afterEffect">
-                                  <p:stCondLst>
-                                    <p:cond delay="0"/>
-                                  </p:stCondLst>
-                                  <p:childTnLst>
-                                    <p:cmd type="call" cmd="playFrom(0.0)">
-                                      <p:cBhvr>
-                                        <p:cTn id="9" dur="1000" fill="hold"/>
-                                        <p:tgtEl>
-                                          <p:spTgt spid="2"/>
-                                        </p:tgtEl>
-                                      </p:cBhvr>
-                                    </p:cmd>
-                                  </p:childTnLst>
-                                </p:cTn>
-                              </p:par>
-                            </p:childTnLst>
-                          </p:cTn>
-                        </p:par>
-                      </p:childTnLst>
-                    </p:cTn>
-                  </p:par>
-                </p:childTnLst>
-              </p:cTn>
-              <p:prevCondLst>
-                <p:cond evt="onPrev" delay="0">
-                  <p:tgtEl>
-                    <p:sldTgt/>
-                  </p:tgtEl>
-                </p:cond>
-              </p:prevCondLst>
-              <p:nextCondLst>
-                <p:cond evt="onNext" delay="0">
-                  <p:tgtEl>
-                    <p:sldTgt/>
-                  </p:tgtEl>
-                </p:cond>
-              </p:nextCondLst>
-            </p:seq>
-            <p:video>
-              <p:cMediaNode vol="80000">
-                <p:cTn id="10" fill="hold" display="0">
-                  <p:stCondLst>
-                    <p:cond delay="indefinite"/>
-                  </p:stCondLst>
-                </p:cTn>
-                <p:tgtEl>
-                  <p:spTgt spid="2"/>
-                </p:tgtEl>
-              </p:cMediaNode>
-            </p:video>
-          </p:childTnLst>
-        </p:cTn>
-      </p:par>
-    </p:tnLst>
-  </p:timing>
-</p:sld>
-</file>
-
-<file path=ppt/slides/slide8.xml><?xml version="1.0" encoding="utf-8"?>
-<p:sld xmlns:a="http://schemas.openxmlformats.org/drawingml/2006/main" xmlns:p="http://schemas.openxmlformats.org/presentationml/2006/main" xmlns:r="http://schemas.openxmlformats.org/officeDocument/2006/relationships">
-  <p:cSld>
-    <p:spTree>
-      <p:nvGrpSpPr>
-        <p:cNvPr id="1" name=""/>
-        <p:cNvGrpSpPr/>
-        <p:nvPr/>
-      </p:nvGrpSpPr>
-      <p:grpSpPr/>
-      <p:pic>
-        <p:nvPicPr>
-          <p:cNvPr id="2" name="34786186_594580675_3143763730.mp4">
-            <a:hlinkClick r:id="" action="ppaction://media"/>
-          </p:cNvPr>
-          <p:cNvPicPr>
-            <a:picLocks noChangeAspect="1"/>
-          </p:cNvPicPr>
-          <p:nvPr>
-            <a:videoFile r:link="rId4"/>
-            <p:extLst>
-              <p:ext uri="{DAA4B4D4-6D71-4841-9C94-3DE7FCFB9230}">
-                <p14:media xmlns:p14="http://schemas.microsoft.com/office/powerpoint/2010/main" r:embed="rId3"/>
-              </p:ext>
-            </p:extLst>
-          </p:nvPr>
-        </p:nvPicPr>
-        <p:blipFill>
-          <a:blip r:embed="rId5"/>
-          <a:stretch>
-            <a:fillRect/>
-          </a:stretch>
-        </p:blipFill>
-        <p:spPr>
-          <a:xfrm>
-            <a:off x="0" y="0"/>
-            <a:ext cx="18288000" cy="10287000"/>
+            <a:ext cx="8134350" cy="4572000"/>
           </a:xfrm>
           <a:prstGeom prst="rect">
             <a:avLst/>
